--- a/Meetup.pptx
+++ b/Meetup.pptx
@@ -269,7 +269,7 @@
           <a:p>
             <a:fld id="{1D8BD707-D9CF-40AE-B4C6-C98DA3205C09}" type="datetimeFigureOut">
               <a:rPr lang="en-US"/>
-              <a:t>4/17/2024</a:t>
+              <a:t>4/18/2024</a:t>
             </a:fld>
             <a:endParaRPr lang="en-US"/>
           </a:p>
@@ -440,7 +440,7 @@
           <a:p>
             <a:fld id="{1D8BD707-D9CF-40AE-B4C6-C98DA3205C09}" type="datetimeFigureOut">
               <a:rPr lang="en-US"/>
-              <a:t>4/17/2024</a:t>
+              <a:t>4/18/2024</a:t>
             </a:fld>
             <a:endParaRPr lang="en-US"/>
           </a:p>
@@ -654,7 +654,7 @@
           <a:p>
             <a:fld id="{1D8BD707-D9CF-40AE-B4C6-C98DA3205C09}" type="datetimeFigureOut">
               <a:rPr lang="en-US"/>
-              <a:t>4/17/2024</a:t>
+              <a:t>4/18/2024</a:t>
             </a:fld>
             <a:endParaRPr lang="en-US"/>
           </a:p>
@@ -802,7 +802,7 @@
           <a:p>
             <a:fld id="{1D8BD707-D9CF-40AE-B4C6-C98DA3205C09}" type="datetimeFigureOut">
               <a:rPr lang="en-US"/>
-              <a:t>4/17/2024</a:t>
+              <a:t>4/18/2024</a:t>
             </a:fld>
             <a:endParaRPr lang="en-US"/>
           </a:p>
@@ -921,7 +921,7 @@
           <a:p>
             <a:fld id="{1D8BD707-D9CF-40AE-B4C6-C98DA3205C09}" type="datetimeFigureOut">
               <a:rPr lang="en-US"/>
-              <a:t>4/17/2024</a:t>
+              <a:t>4/18/2024</a:t>
             </a:fld>
             <a:endParaRPr lang="en-US"/>
           </a:p>
@@ -1140,7 +1140,7 @@
           <a:p>
             <a:fld id="{1D8BD707-D9CF-40AE-B4C6-C98DA3205C09}" type="datetimeFigureOut">
               <a:rPr lang="en-US"/>
-              <a:t>4/17/2024</a:t>
+              <a:t>4/18/2024</a:t>
             </a:fld>
             <a:endParaRPr lang="en-US"/>
           </a:p>
@@ -8320,7 +8320,7 @@
               <a:rPr sz="9350" spc="-295" dirty="0"/>
               <a:t>s!</a:t>
             </a:r>
-            <a:endParaRPr sz="9350"/>
+            <a:endParaRPr sz="9350" dirty="0"/>
           </a:p>
         </p:txBody>
       </p:sp>
@@ -8332,8 +8332,8 @@
         </p:nvSpPr>
         <p:spPr>
           <a:xfrm>
-            <a:off x="7124648" y="5067316"/>
-            <a:ext cx="4879975" cy="2716578"/>
+            <a:off x="5187950" y="5067316"/>
+            <a:ext cx="8610600" cy="3268011"/>
           </a:xfrm>
           <a:prstGeom prst="rect">
             <a:avLst/>
@@ -8397,6 +8397,30 @@
               </a:rPr>
               <a:t>91 9882890756</a:t>
             </a:r>
+          </a:p>
+          <a:p>
+            <a:pPr marR="835025" algn="ctr">
+              <a:spcBef>
+                <a:spcPts val="1030"/>
+              </a:spcBef>
+            </a:pPr>
+            <a:r>
+              <a:rPr lang="en-IN" sz="2750" spc="35" dirty="0">
+                <a:latin typeface="Verdana"/>
+                <a:cs typeface="Verdana"/>
+              </a:rPr>
+              <a:t>Jatin Chauhan</a:t>
+            </a:r>
+          </a:p>
+          <a:p>
+            <a:pPr marR="835025" algn="ctr">
+              <a:lnSpc>
+                <a:spcPct val="100000"/>
+              </a:lnSpc>
+              <a:spcBef>
+                <a:spcPts val="1030"/>
+              </a:spcBef>
+            </a:pPr>
             <a:endParaRPr sz="2750" dirty="0">
               <a:latin typeface="Verdana"/>
               <a:cs typeface="Verdana"/>
@@ -8412,148 +8436,20 @@
               </a:spcBef>
             </a:pPr>
             <a:r>
-              <a:rPr sz="2750" spc="175" dirty="0">
+              <a:rPr lang="en-IN" sz="2750" spc="185" dirty="0">
                 <a:latin typeface="Verdana"/>
                 <a:cs typeface="Verdana"/>
                 <a:hlinkClick r:id="rId3"/>
               </a:rPr>
-              <a:t>ww</a:t>
-            </a:r>
-            <a:r>
-              <a:rPr sz="2750" spc="95" dirty="0">
+              <a:t>https://meetup-jc.vercel.app/</a:t>
+            </a:r>
+            <a:r>
+              <a:rPr sz="2750" spc="185" dirty="0">
                 <a:latin typeface="Verdana"/>
                 <a:cs typeface="Verdana"/>
                 <a:hlinkClick r:id="rId3"/>
               </a:rPr>
-              <a:t>w</a:t>
-            </a:r>
-            <a:r>
-              <a:rPr sz="2750" spc="-509" dirty="0">
-                <a:latin typeface="Verdana"/>
-                <a:cs typeface="Verdana"/>
-                <a:hlinkClick r:id="rId3"/>
-              </a:rPr>
-              <a:t>.</a:t>
-            </a:r>
-            <a:r>
-              <a:rPr sz="2750" spc="-170" dirty="0">
-                <a:latin typeface="Verdana"/>
-                <a:cs typeface="Verdana"/>
-                <a:hlinkClick r:id="rId3"/>
-              </a:rPr>
-              <a:t>y</a:t>
-            </a:r>
-            <a:r>
-              <a:rPr sz="2750" spc="65" dirty="0">
-                <a:latin typeface="Verdana"/>
-                <a:cs typeface="Verdana"/>
-                <a:hlinkClick r:id="rId3"/>
-              </a:rPr>
-              <a:t>o</a:t>
-            </a:r>
-            <a:r>
-              <a:rPr sz="2750" spc="120" dirty="0">
-                <a:latin typeface="Verdana"/>
-                <a:cs typeface="Verdana"/>
-                <a:hlinkClick r:id="rId3"/>
-              </a:rPr>
-              <a:t>u</a:t>
-            </a:r>
-            <a:r>
-              <a:rPr sz="2750" spc="-20" dirty="0">
-                <a:latin typeface="Verdana"/>
-                <a:cs typeface="Verdana"/>
-                <a:hlinkClick r:id="rId3"/>
-              </a:rPr>
-              <a:t>r</a:t>
-            </a:r>
-            <a:r>
-              <a:rPr sz="2750" spc="145" dirty="0">
-                <a:latin typeface="Verdana"/>
-                <a:cs typeface="Verdana"/>
-                <a:hlinkClick r:id="rId3"/>
-              </a:rPr>
-              <a:t>w</a:t>
-            </a:r>
-            <a:r>
-              <a:rPr sz="2750" spc="35" dirty="0">
-                <a:latin typeface="Verdana"/>
-                <a:cs typeface="Verdana"/>
-                <a:hlinkClick r:id="rId3"/>
-              </a:rPr>
-              <a:t>e</a:t>
-            </a:r>
-            <a:r>
-              <a:rPr sz="2750" spc="165" dirty="0">
-                <a:latin typeface="Verdana"/>
-                <a:cs typeface="Verdana"/>
-                <a:hlinkClick r:id="rId3"/>
-              </a:rPr>
-              <a:t>b</a:t>
-            </a:r>
-            <a:r>
-              <a:rPr sz="2750" spc="-85" dirty="0">
-                <a:latin typeface="Verdana"/>
-                <a:cs typeface="Verdana"/>
-                <a:hlinkClick r:id="rId3"/>
-              </a:rPr>
-              <a:t>s</a:t>
-            </a:r>
-            <a:r>
-              <a:rPr sz="2750" spc="-15" dirty="0">
-                <a:latin typeface="Verdana"/>
-                <a:cs typeface="Verdana"/>
-                <a:hlinkClick r:id="rId3"/>
-              </a:rPr>
-              <a:t>i</a:t>
-            </a:r>
-            <a:r>
-              <a:rPr sz="2750" spc="-10" dirty="0">
-                <a:latin typeface="Verdana"/>
-                <a:cs typeface="Verdana"/>
-                <a:hlinkClick r:id="rId3"/>
-              </a:rPr>
-              <a:t>t</a:t>
-            </a:r>
-            <a:r>
-              <a:rPr sz="2750" spc="35" dirty="0">
-                <a:latin typeface="Verdana"/>
-                <a:cs typeface="Verdana"/>
-                <a:hlinkClick r:id="rId3"/>
-              </a:rPr>
-              <a:t>e</a:t>
-            </a:r>
-            <a:r>
-              <a:rPr sz="2750" spc="-459" dirty="0">
-                <a:latin typeface="Verdana"/>
-                <a:cs typeface="Verdana"/>
-                <a:hlinkClick r:id="rId3"/>
-              </a:rPr>
-              <a:t>.</a:t>
-            </a:r>
-            <a:r>
-              <a:rPr sz="2750" spc="100" dirty="0">
-                <a:latin typeface="Verdana"/>
-                <a:cs typeface="Verdana"/>
-                <a:hlinkClick r:id="rId3"/>
-              </a:rPr>
-              <a:t>c</a:t>
-            </a:r>
-            <a:r>
-              <a:rPr sz="2750" spc="65" dirty="0">
-                <a:latin typeface="Verdana"/>
-                <a:cs typeface="Verdana"/>
-                <a:hlinkClick r:id="rId3"/>
-              </a:rPr>
-              <a:t>o</a:t>
-            </a:r>
-            <a:r>
-              <a:rPr sz="2750" spc="185" dirty="0">
-                <a:latin typeface="Verdana"/>
-                <a:cs typeface="Verdana"/>
-                <a:hlinkClick r:id="rId3"/>
-              </a:rPr>
-              <a:t>m </a:t>
+              <a:t> </a:t>
             </a:r>
             <a:r>
               <a:rPr sz="2750" spc="95" dirty="0">
@@ -8566,23 +8462,6 @@
               <a:latin typeface="Verdana"/>
               <a:cs typeface="Verdana"/>
             </a:endParaRPr>
-          </a:p>
-          <a:p>
-            <a:pPr marL="12700" marR="853440" algn="ctr">
-              <a:lnSpc>
-                <a:spcPct val="131200"/>
-              </a:lnSpc>
-              <a:spcBef>
-                <a:spcPts val="5"/>
-              </a:spcBef>
-            </a:pPr>
-            <a:r>
-              <a:rPr lang="en-IN" sz="2750" spc="35" dirty="0">
-                <a:latin typeface="Verdana"/>
-                <a:cs typeface="Verdana"/>
-              </a:rPr>
-              <a:t>Jatin Chauhan</a:t>
-            </a:r>
           </a:p>
           <a:p>
             <a:pPr marL="12700" marR="853440" algn="ctr">
